--- a/production-idea/第2回中間発表改定２.pptx
+++ b/production-idea/第2回中間発表改定２.pptx
@@ -948,7 +948,7 @@
           <a:r>
             <a:rPr kumimoji="1" lang="ja-JP" b="1" dirty="0" smtClean="0">
               <a:solidFill>
-                <a:srgbClr val="FF0000"/>
+                <a:srgbClr val="FFFF00"/>
               </a:solidFill>
             </a:rPr>
             <a:t>内容を忘れていたらページにアクセスして</a:t>
@@ -1381,7 +1381,7 @@
           <a:r>
             <a:rPr kumimoji="1" lang="ja-JP" sz="2200" b="1" kern="1200" dirty="0" smtClean="0">
               <a:solidFill>
-                <a:srgbClr val="FF0000"/>
+                <a:srgbClr val="FFFF00"/>
               </a:solidFill>
             </a:rPr>
             <a:t>内容を忘れていたらページにアクセスして</a:t>
@@ -7805,9 +7805,88 @@
   <p:timing>
     <p:tnLst>
       <p:par>
-        <p:cTn id="1" dur="indefinite" restart="never" nodeType="tmRoot"/>
+        <p:cTn id="1" dur="indefinite" restart="never" nodeType="tmRoot">
+          <p:childTnLst>
+            <p:seq concurrent="1" nextAc="seek">
+              <p:cTn id="2" dur="indefinite" nodeType="mainSeq">
+                <p:childTnLst>
+                  <p:par>
+                    <p:cTn id="3" fill="hold">
+                      <p:stCondLst>
+                        <p:cond delay="indefinite"/>
+                      </p:stCondLst>
+                      <p:childTnLst>
+                        <p:par>
+                          <p:cTn id="4" fill="hold">
+                            <p:stCondLst>
+                              <p:cond delay="0"/>
+                            </p:stCondLst>
+                            <p:childTnLst>
+                              <p:par>
+                                <p:cTn id="5" presetID="10" presetClass="entr" presetSubtype="0" fill="hold" grpId="0" nodeType="clickEffect">
+                                  <p:stCondLst>
+                                    <p:cond delay="0"/>
+                                  </p:stCondLst>
+                                  <p:childTnLst>
+                                    <p:set>
+                                      <p:cBhvr>
+                                        <p:cTn id="6" dur="1" fill="hold">
+                                          <p:stCondLst>
+                                            <p:cond delay="0"/>
+                                          </p:stCondLst>
+                                        </p:cTn>
+                                        <p:tgtEl>
+                                          <p:spTgt spid="4"/>
+                                        </p:tgtEl>
+                                        <p:attrNameLst>
+                                          <p:attrName>style.visibility</p:attrName>
+                                        </p:attrNameLst>
+                                      </p:cBhvr>
+                                      <p:to>
+                                        <p:strVal val="visible"/>
+                                      </p:to>
+                                    </p:set>
+                                    <p:animEffect transition="in" filter="fade">
+                                      <p:cBhvr>
+                                        <p:cTn id="7" dur="500"/>
+                                        <p:tgtEl>
+                                          <p:spTgt spid="4"/>
+                                        </p:tgtEl>
+                                      </p:cBhvr>
+                                    </p:animEffect>
+                                  </p:childTnLst>
+                                </p:cTn>
+                              </p:par>
+                            </p:childTnLst>
+                          </p:cTn>
+                        </p:par>
+                      </p:childTnLst>
+                    </p:cTn>
+                  </p:par>
+                </p:childTnLst>
+              </p:cTn>
+              <p:prevCondLst>
+                <p:cond evt="onPrev" delay="0">
+                  <p:tgtEl>
+                    <p:sldTgt/>
+                  </p:tgtEl>
+                </p:cond>
+              </p:prevCondLst>
+              <p:nextCondLst>
+                <p:cond evt="onNext" delay="0">
+                  <p:tgtEl>
+                    <p:sldTgt/>
+                  </p:tgtEl>
+                </p:cond>
+              </p:nextCondLst>
+            </p:seq>
+          </p:childTnLst>
+        </p:cTn>
       </p:par>
     </p:tnLst>
+    <p:bldLst>
+      <p:bldP spid="4" grpId="0" animBg="1"/>
+    </p:bldLst>
   </p:timing>
 </p:sld>
 </file>
@@ -8488,7 +8567,7 @@
         </p:nvSpPr>
         <p:spPr>
           <a:xfrm>
-            <a:off x="1143000" y="3219718"/>
+            <a:off x="1143000" y="2835405"/>
             <a:ext cx="9872871" cy="2876282"/>
           </a:xfrm>
         </p:spPr>
@@ -8499,57 +8578,113 @@
           <a:lstStyle/>
           <a:p>
             <a:r>
-              <a:rPr kumimoji="1" lang="en-US" altLang="ja-JP" sz="2800" dirty="0" smtClean="0"/>
+              <a:rPr kumimoji="1" lang="en-US" altLang="ja-JP" sz="3600" dirty="0" smtClean="0">
+                <a:solidFill>
+                  <a:schemeClr val="tx1"/>
+                </a:solidFill>
+              </a:rPr>
               <a:t>20</a:t>
             </a:r>
             <a:r>
-              <a:rPr kumimoji="1" lang="ja-JP" altLang="en-US" sz="2800" dirty="0" smtClean="0"/>
+              <a:rPr kumimoji="1" lang="ja-JP" altLang="en-US" sz="3600" dirty="0" smtClean="0">
+                <a:solidFill>
+                  <a:schemeClr val="tx1"/>
+                </a:solidFill>
+              </a:rPr>
               <a:t>人にインタビューしたうち</a:t>
             </a:r>
             <a:r>
-              <a:rPr kumimoji="1" lang="en-US" altLang="ja-JP" sz="2800" dirty="0" smtClean="0"/>
+              <a:rPr kumimoji="1" lang="en-US" altLang="ja-JP" sz="3600" dirty="0" smtClean="0">
+                <a:solidFill>
+                  <a:schemeClr val="tx1"/>
+                </a:solidFill>
+              </a:rPr>
               <a:t>10</a:t>
             </a:r>
             <a:r>
-              <a:rPr kumimoji="1" lang="ja-JP" altLang="en-US" sz="2800" dirty="0" smtClean="0"/>
+              <a:rPr kumimoji="1" lang="ja-JP" altLang="en-US" sz="3600" dirty="0" smtClean="0">
+                <a:solidFill>
+                  <a:schemeClr val="tx1"/>
+                </a:solidFill>
+              </a:rPr>
               <a:t>人が対象ユーザーにマッチ</a:t>
             </a:r>
-            <a:endParaRPr kumimoji="1" lang="en-US" altLang="ja-JP" sz="2800" dirty="0" smtClean="0"/>
-          </a:p>
-          <a:p>
-            <a:r>
-              <a:rPr lang="ja-JP" altLang="en-US" sz="2800" dirty="0" smtClean="0"/>
+            <a:endParaRPr kumimoji="1" lang="en-US" altLang="ja-JP" sz="3600" dirty="0" smtClean="0">
+              <a:solidFill>
+                <a:schemeClr val="tx1"/>
+              </a:solidFill>
+            </a:endParaRPr>
+          </a:p>
+          <a:p>
+            <a:r>
+              <a:rPr lang="ja-JP" altLang="en-US" sz="3600" dirty="0" smtClean="0">
+                <a:solidFill>
+                  <a:schemeClr val="tx1"/>
+                </a:solidFill>
+              </a:rPr>
               <a:t>そのうち</a:t>
             </a:r>
             <a:r>
-              <a:rPr lang="en-US" altLang="ja-JP" sz="2800" dirty="0" smtClean="0"/>
+              <a:rPr lang="en-US" altLang="ja-JP" sz="3600" dirty="0" smtClean="0">
+                <a:solidFill>
+                  <a:schemeClr val="tx1"/>
+                </a:solidFill>
+              </a:rPr>
               <a:t>8</a:t>
             </a:r>
             <a:r>
-              <a:rPr lang="ja-JP" altLang="en-US" sz="2800" dirty="0" smtClean="0"/>
+              <a:rPr lang="ja-JP" altLang="en-US" sz="3600" dirty="0" smtClean="0">
+                <a:solidFill>
+                  <a:schemeClr val="tx1"/>
+                </a:solidFill>
+              </a:rPr>
               <a:t>人が</a:t>
             </a:r>
             <a:r>
-              <a:rPr lang="ja-JP" altLang="en-US" sz="2800" dirty="0"/>
+              <a:rPr lang="ja-JP" altLang="en-US" sz="3600" dirty="0">
+                <a:solidFill>
+                  <a:schemeClr val="tx1"/>
+                </a:solidFill>
+              </a:rPr>
               <a:t>提供</a:t>
             </a:r>
             <a:r>
-              <a:rPr lang="ja-JP" altLang="en-US" sz="2800" dirty="0" smtClean="0"/>
+              <a:rPr lang="ja-JP" altLang="en-US" sz="3600" dirty="0" smtClean="0">
+                <a:solidFill>
+                  <a:schemeClr val="tx1"/>
+                </a:solidFill>
+              </a:rPr>
               <a:t>の形（</a:t>
             </a:r>
             <a:r>
-              <a:rPr lang="en-US" altLang="ja-JP" sz="2800" dirty="0" smtClean="0"/>
-              <a:t>UI</a:t>
-            </a:r>
-            <a:r>
-              <a:rPr lang="ja-JP" altLang="en-US" sz="2800" dirty="0" err="1"/>
-              <a:t>，</a:t>
-            </a:r>
-            <a:r>
-              <a:rPr lang="ja-JP" altLang="en-US" sz="2800" dirty="0" smtClean="0"/>
-              <a:t>操作性）次第で使うと答えた</a:t>
-            </a:r>
-            <a:endParaRPr kumimoji="1" lang="ja-JP" altLang="en-US" sz="2800" dirty="0"/>
+              <a:rPr lang="en-US" altLang="ja-JP" sz="3600" dirty="0" smtClean="0">
+                <a:solidFill>
+                  <a:schemeClr val="tx1"/>
+                </a:solidFill>
+              </a:rPr>
+              <a:t>UI,</a:t>
+            </a:r>
+            <a:r>
+              <a:rPr lang="ja-JP" altLang="en-US" sz="3600" dirty="0" smtClean="0">
+                <a:solidFill>
+                  <a:schemeClr val="tx1"/>
+                </a:solidFill>
+              </a:rPr>
+              <a:t>操作性</a:t>
+            </a:r>
+            <a:r>
+              <a:rPr lang="ja-JP" altLang="en-US" sz="3600" dirty="0" smtClean="0">
+                <a:solidFill>
+                  <a:schemeClr val="tx1"/>
+                </a:solidFill>
+              </a:rPr>
+              <a:t>）次第で使うと答えた</a:t>
+            </a:r>
+            <a:endParaRPr kumimoji="1" lang="ja-JP" altLang="en-US" sz="3600" dirty="0">
+              <a:solidFill>
+                <a:schemeClr val="tx1"/>
+              </a:solidFill>
+            </a:endParaRPr>
           </a:p>
         </p:txBody>
       </p:sp>
@@ -8690,7 +8825,7 @@
             </a:r>
             <a:r>
               <a:rPr lang="ja-JP" altLang="en-US" sz="2800" dirty="0" smtClean="0"/>
-              <a:t>アドオンガヒツヨウ</a:t>
+              <a:t>アドオンが必要</a:t>
             </a:r>
             <a:endParaRPr lang="en-US" altLang="ja-JP" sz="2800" dirty="0" smtClean="0"/>
           </a:p>
@@ -8770,7 +8905,7 @@
           <p:nvPr>
             <p:extLst>
               <p:ext uri="{D42A27DB-BD31-4B8C-83A1-F6EECF244321}">
-                <p14:modId xmlns:p14="http://schemas.microsoft.com/office/powerpoint/2010/main" val="909405381"/>
+                <p14:modId xmlns:p14="http://schemas.microsoft.com/office/powerpoint/2010/main" val="2289350568"/>
               </p:ext>
             </p:extLst>
           </p:nvPr>
@@ -8873,11 +9008,7 @@
           <a:p>
             <a:r>
               <a:rPr kumimoji="1" lang="ja-JP" altLang="en-US" sz="2800" dirty="0" smtClean="0"/>
-              <a:t>目的：ブックマーク</a:t>
-            </a:r>
-            <a:r>
-              <a:rPr kumimoji="1" lang="ja-JP" altLang="en-US" sz="2800" dirty="0" smtClean="0"/>
-              <a:t>を</a:t>
+              <a:t>目的：ブックマークを</a:t>
             </a:r>
             <a:r>
               <a:rPr lang="ja-JP" altLang="en-US" sz="2800" dirty="0"/>
@@ -8904,7 +9035,7 @@
         <p:spPr>
           <a:xfrm>
             <a:off x="708338" y="3167773"/>
-            <a:ext cx="4649273" cy="2820473"/>
+            <a:ext cx="5188879" cy="2820473"/>
           </a:xfrm>
           <a:prstGeom prst="ellipse">
             <a:avLst/>
@@ -8933,29 +9064,45 @@
             <a:pPr algn="ctr"/>
             <a:r>
               <a:rPr lang="ja-JP" altLang="en-US" sz="2200" b="1" dirty="0" smtClean="0"/>
-              <a:t>エクスプローラーみたいな</a:t>
+              <a:t>エクスプローラーライクな</a:t>
             </a:r>
             <a:r>
               <a:rPr lang="en-US" altLang="ja-JP" sz="2200" b="1" dirty="0" smtClean="0"/>
               <a:t>UI</a:t>
             </a:r>
             <a:r>
+              <a:rPr lang="ja-JP" altLang="en-US" sz="2200" b="1" dirty="0" err="1" smtClean="0"/>
+              <a:t>でブック</a:t>
+            </a:r>
+            <a:r>
               <a:rPr lang="ja-JP" altLang="en-US" sz="2200" b="1" dirty="0" smtClean="0"/>
-              <a:t>で</a:t>
-            </a:r>
-            <a:endParaRPr lang="en-US" altLang="ja-JP" sz="2200" b="1" dirty="0" smtClean="0"/>
-          </a:p>
-          <a:p>
-            <a:pPr algn="ctr"/>
+              <a:t>マークを</a:t>
+            </a:r>
             <a:r>
               <a:rPr lang="ja-JP" altLang="en-US" sz="2200" b="1" dirty="0" smtClean="0"/>
-              <a:t>ブックマークを</a:t>
-            </a:r>
-            <a:r>
-              <a:rPr lang="ja-JP" altLang="en-US" sz="2200" b="1" dirty="0" smtClean="0"/>
-              <a:t>使えページを開ける</a:t>
-            </a:r>
-            <a:endParaRPr kumimoji="1" lang="ja-JP" altLang="en-US" sz="2200" b="1" dirty="0"/>
+              <a:t>使え　</a:t>
+            </a:r>
+            <a:r>
+              <a:rPr lang="ja-JP" altLang="en-US" sz="2200" b="1" dirty="0" smtClean="0">
+                <a:solidFill>
+                  <a:srgbClr val="FFFF00"/>
+                </a:solidFill>
+              </a:rPr>
+              <a:t>ページ</a:t>
+            </a:r>
+            <a:r>
+              <a:rPr lang="ja-JP" altLang="en-US" sz="2200" b="1" dirty="0" smtClean="0">
+                <a:solidFill>
+                  <a:srgbClr val="FFFF00"/>
+                </a:solidFill>
+              </a:rPr>
+              <a:t>を開ける</a:t>
+            </a:r>
+            <a:endParaRPr kumimoji="1" lang="ja-JP" altLang="en-US" sz="2200" b="1" dirty="0">
+              <a:solidFill>
+                <a:srgbClr val="FFFF00"/>
+              </a:solidFill>
+            </a:endParaRPr>
           </a:p>
         </p:txBody>
       </p:sp>
@@ -8967,8 +9114,8 @@
         </p:nvSpPr>
         <p:spPr>
           <a:xfrm>
-            <a:off x="6478073" y="3167773"/>
-            <a:ext cx="5009882" cy="2923935"/>
+            <a:off x="6175512" y="3064311"/>
+            <a:ext cx="5486400" cy="2923935"/>
           </a:xfrm>
           <a:prstGeom prst="ellipse">
             <a:avLst/>
@@ -9001,17 +9148,49 @@
             </a:r>
             <a:r>
               <a:rPr kumimoji="1" lang="ja-JP" altLang="en-US" sz="2200" dirty="0" smtClean="0"/>
-              <a:t>まとめブックマークの整理がで</a:t>
-            </a:r>
-            <a:r>
-              <a:rPr lang="ja-JP" altLang="en-US" sz="2200" dirty="0" smtClean="0"/>
+              <a:t>まとめ</a:t>
+            </a:r>
+            <a:endParaRPr kumimoji="1" lang="en-US" altLang="ja-JP" sz="2200" dirty="0" smtClean="0"/>
+          </a:p>
+          <a:p>
+            <a:pPr algn="ctr"/>
+            <a:r>
+              <a:rPr kumimoji="1" lang="ja-JP" altLang="en-US" sz="2200" dirty="0" smtClean="0">
+                <a:solidFill>
+                  <a:srgbClr val="FFFF00"/>
+                </a:solidFill>
+              </a:rPr>
+              <a:t>ブックマーク</a:t>
+            </a:r>
+            <a:r>
+              <a:rPr kumimoji="1" lang="ja-JP" altLang="en-US" sz="2200" dirty="0" smtClean="0">
+                <a:solidFill>
+                  <a:srgbClr val="FFFF00"/>
+                </a:solidFill>
+              </a:rPr>
+              <a:t>の整理がで</a:t>
+            </a:r>
+            <a:r>
+              <a:rPr lang="ja-JP" altLang="en-US" sz="2200" dirty="0" smtClean="0">
+                <a:solidFill>
+                  <a:srgbClr val="FFFF00"/>
+                </a:solidFill>
+              </a:rPr>
               <a:t>き</a:t>
             </a:r>
             <a:r>
-              <a:rPr lang="ja-JP" altLang="en-US" sz="2200" dirty="0"/>
+              <a:rPr lang="ja-JP" altLang="en-US" sz="2200" dirty="0">
+                <a:solidFill>
+                  <a:srgbClr val="FFFF00"/>
+                </a:solidFill>
+              </a:rPr>
               <a:t>る</a:t>
             </a:r>
-            <a:endParaRPr kumimoji="1" lang="ja-JP" altLang="en-US" sz="2200" dirty="0"/>
+            <a:endParaRPr kumimoji="1" lang="ja-JP" altLang="en-US" sz="2200" dirty="0">
+              <a:solidFill>
+                <a:srgbClr val="FFFF00"/>
+              </a:solidFill>
+            </a:endParaRPr>
           </a:p>
         </p:txBody>
       </p:sp>
@@ -9166,7 +9345,11 @@
             </a:r>
             <a:r>
               <a:rPr kumimoji="1" lang="ja-JP" altLang="en-US" sz="4000" dirty="0" smtClean="0"/>
-              <a:t>関係の人</a:t>
+              <a:t>関係の</a:t>
+            </a:r>
+            <a:r>
+              <a:rPr kumimoji="1" lang="ja-JP" altLang="en-US" sz="4000" dirty="0" smtClean="0"/>
+              <a:t>人をコアユーザーとする</a:t>
             </a:r>
             <a:endParaRPr kumimoji="1" lang="ja-JP" altLang="en-US" sz="4000" dirty="0"/>
           </a:p>
@@ -9383,8 +9566,8 @@
         </p:nvSpPr>
         <p:spPr>
           <a:xfrm>
-            <a:off x="1143000" y="3000776"/>
-            <a:ext cx="9872871" cy="3095223"/>
+            <a:off x="1143000" y="2542310"/>
+            <a:ext cx="9872871" cy="3553690"/>
           </a:xfrm>
         </p:spPr>
         <p:txBody>
@@ -9392,34 +9575,62 @@
           <a:lstStyle/>
           <a:p>
             <a:r>
-              <a:rPr kumimoji="1" lang="ja-JP" altLang="en-US" sz="2800" dirty="0" smtClean="0"/>
+              <a:rPr kumimoji="1" lang="ja-JP" altLang="en-US" sz="4000" dirty="0" smtClean="0">
+                <a:solidFill>
+                  <a:schemeClr val="tx1"/>
+                </a:solidFill>
+              </a:rPr>
               <a:t>月額のサービスとする</a:t>
             </a:r>
-            <a:endParaRPr kumimoji="1" lang="en-US" altLang="ja-JP" sz="2800" dirty="0" smtClean="0"/>
+            <a:endParaRPr kumimoji="1" lang="en-US" altLang="ja-JP" sz="4000" dirty="0" smtClean="0">
+              <a:solidFill>
+                <a:schemeClr val="tx1"/>
+              </a:solidFill>
+            </a:endParaRPr>
           </a:p>
           <a:p>
             <a:pPr marL="45720" indent="0">
               <a:buNone/>
             </a:pPr>
             <a:r>
-              <a:rPr lang="ja-JP" altLang="en-US" sz="2800" dirty="0" smtClean="0"/>
+              <a:rPr lang="ja-JP" altLang="en-US" sz="4000" dirty="0" smtClean="0">
+                <a:solidFill>
+                  <a:schemeClr val="tx1"/>
+                </a:solidFill>
+              </a:rPr>
               <a:t>　無料の機能と有料の機能を分けて、</a:t>
             </a:r>
-            <a:endParaRPr lang="en-US" altLang="ja-JP" sz="2800" dirty="0" smtClean="0"/>
+            <a:endParaRPr lang="en-US" altLang="ja-JP" sz="4000" dirty="0" smtClean="0">
+              <a:solidFill>
+                <a:schemeClr val="tx1"/>
+              </a:solidFill>
+            </a:endParaRPr>
           </a:p>
           <a:p>
             <a:pPr marL="45720" indent="0">
               <a:buNone/>
             </a:pPr>
             <a:r>
-              <a:rPr lang="ja-JP" altLang="en-US" sz="2800" dirty="0"/>
+              <a:rPr lang="ja-JP" altLang="en-US" sz="4000" dirty="0">
+                <a:solidFill>
+                  <a:schemeClr val="tx1"/>
+                </a:solidFill>
+              </a:rPr>
               <a:t>　</a:t>
             </a:r>
             <a:r>
-              <a:rPr lang="ja-JP" altLang="en-US" sz="2800" dirty="0" smtClean="0"/>
+              <a:rPr lang="ja-JP" altLang="en-US" sz="4000" dirty="0" smtClean="0">
+                <a:solidFill>
+                  <a:schemeClr val="tx1"/>
+                </a:solidFill>
+              </a:rPr>
               <a:t>有料機能を使うなら月額</a:t>
             </a:r>
-            <a:endParaRPr lang="en-US" altLang="ja-JP" sz="2800" dirty="0" smtClean="0"/>
+            <a:endParaRPr lang="en-US" altLang="ja-JP" sz="4000" dirty="0" smtClean="0">
+              <a:solidFill>
+                <a:schemeClr val="tx1"/>
+              </a:solidFill>
+            </a:endParaRPr>
           </a:p>
           <a:p>
             <a:pPr marL="45720" indent="0">
@@ -9501,70 +9712,147 @@
         </p:nvSpPr>
         <p:spPr/>
         <p:txBody>
-          <a:bodyPr/>
+          <a:bodyPr>
+            <a:normAutofit/>
+          </a:bodyPr>
           <a:lstStyle/>
           <a:p>
-            <a:r>
-              <a:rPr kumimoji="1" lang="ja-JP" altLang="en-US" dirty="0" smtClean="0"/>
+            <a:pPr>
+              <a:buFont typeface="Wingdings" panose="05000000000000000000" pitchFamily="2" charset="2"/>
+              <a:buChar char="l"/>
+            </a:pPr>
+            <a:r>
+              <a:rPr kumimoji="1" lang="ja-JP" altLang="en-US" sz="3600" dirty="0" smtClean="0">
+                <a:solidFill>
+                  <a:schemeClr val="tx1"/>
+                </a:solidFill>
+              </a:rPr>
               <a:t>市場調査</a:t>
             </a:r>
-            <a:endParaRPr kumimoji="1" lang="en-US" altLang="ja-JP" dirty="0" smtClean="0"/>
+            <a:endParaRPr kumimoji="1" lang="en-US" altLang="ja-JP" sz="3600" dirty="0" smtClean="0">
+              <a:solidFill>
+                <a:schemeClr val="tx1"/>
+              </a:solidFill>
+            </a:endParaRPr>
           </a:p>
           <a:p>
             <a:pPr marL="45720" indent="0">
               <a:buNone/>
             </a:pPr>
             <a:r>
-              <a:rPr kumimoji="1" lang="ja-JP" altLang="en-US" dirty="0" smtClean="0"/>
-              <a:t>　</a:t>
-            </a:r>
-            <a:r>
-              <a:rPr kumimoji="1" lang="en-US" altLang="ja-JP" dirty="0" smtClean="0"/>
+              <a:rPr lang="en-US" altLang="ja-JP" sz="3600" dirty="0">
+                <a:solidFill>
+                  <a:schemeClr val="tx1"/>
+                </a:solidFill>
+              </a:rPr>
+              <a:t>	</a:t>
+            </a:r>
+            <a:r>
+              <a:rPr kumimoji="1" lang="en-US" altLang="ja-JP" sz="3600" dirty="0" smtClean="0">
+                <a:solidFill>
+                  <a:schemeClr val="tx1"/>
+                </a:solidFill>
+              </a:rPr>
               <a:t>Google</a:t>
             </a:r>
             <a:r>
-              <a:rPr kumimoji="1" lang="ja-JP" altLang="en-US" dirty="0" smtClean="0"/>
+              <a:rPr kumimoji="1" lang="ja-JP" altLang="en-US" sz="3600" dirty="0" smtClean="0">
+                <a:solidFill>
+                  <a:schemeClr val="tx1"/>
+                </a:solidFill>
+              </a:rPr>
               <a:t> </a:t>
             </a:r>
             <a:r>
-              <a:rPr kumimoji="1" lang="en-US" altLang="ja-JP" dirty="0" smtClean="0"/>
+              <a:rPr kumimoji="1" lang="en-US" altLang="ja-JP" sz="3600" dirty="0" smtClean="0">
+                <a:solidFill>
+                  <a:schemeClr val="tx1"/>
+                </a:solidFill>
+              </a:rPr>
               <a:t>form</a:t>
             </a:r>
             <a:r>
-              <a:rPr kumimoji="1" lang="ja-JP" altLang="en-US" dirty="0" smtClean="0"/>
-              <a:t>を用いたアンケート</a:t>
-            </a:r>
-            <a:endParaRPr kumimoji="1" lang="en-US" altLang="ja-JP" dirty="0" smtClean="0"/>
+              <a:rPr kumimoji="1" lang="ja-JP" altLang="en-US" sz="3600" dirty="0" smtClean="0">
+                <a:solidFill>
+                  <a:schemeClr val="tx1"/>
+                </a:solidFill>
+              </a:rPr>
+              <a:t>を用いた</a:t>
+            </a:r>
+            <a:r>
+              <a:rPr kumimoji="1" lang="ja-JP" altLang="en-US" sz="3600" dirty="0" smtClean="0">
+                <a:solidFill>
+                  <a:schemeClr val="tx1"/>
+                </a:solidFill>
+              </a:rPr>
+              <a:t>アンケート</a:t>
+            </a:r>
+            <a:endParaRPr lang="en-US" altLang="ja-JP" sz="3600" dirty="0">
+              <a:solidFill>
+                <a:schemeClr val="tx1"/>
+              </a:solidFill>
+            </a:endParaRPr>
+          </a:p>
+          <a:p>
+            <a:pPr>
+              <a:buFont typeface="Wingdings" panose="05000000000000000000" pitchFamily="2" charset="2"/>
+              <a:buChar char="l"/>
+            </a:pPr>
+            <a:r>
+              <a:rPr kumimoji="1" lang="ja-JP" altLang="en-US" sz="3600" dirty="0" smtClean="0">
+                <a:solidFill>
+                  <a:schemeClr val="tx1"/>
+                </a:solidFill>
+              </a:rPr>
+              <a:t>サービス</a:t>
+            </a:r>
+            <a:r>
+              <a:rPr kumimoji="1" lang="ja-JP" altLang="en-US" sz="3600" dirty="0" smtClean="0">
+                <a:solidFill>
+                  <a:schemeClr val="tx1"/>
+                </a:solidFill>
+              </a:rPr>
+              <a:t>の価値の調査</a:t>
+            </a:r>
+            <a:endParaRPr kumimoji="1" lang="en-US" altLang="ja-JP" sz="3600" dirty="0" smtClean="0">
+              <a:solidFill>
+                <a:schemeClr val="tx1"/>
+              </a:solidFill>
+            </a:endParaRPr>
           </a:p>
           <a:p>
             <a:pPr marL="45720" indent="0">
               <a:buNone/>
             </a:pPr>
-            <a:endParaRPr lang="en-US" altLang="ja-JP" dirty="0"/>
-          </a:p>
-          <a:p>
-            <a:pPr marL="45720" indent="0">
-              <a:buNone/>
-            </a:pPr>
-            <a:r>
-              <a:rPr kumimoji="1" lang="ja-JP" altLang="en-US" dirty="0" smtClean="0"/>
-              <a:t>・サービスの価値の調査</a:t>
-            </a:r>
-            <a:endParaRPr kumimoji="1" lang="en-US" altLang="ja-JP" dirty="0" smtClean="0"/>
-          </a:p>
-          <a:p>
-            <a:pPr marL="45720" indent="0">
-              <a:buNone/>
-            </a:pPr>
-            <a:r>
-              <a:rPr lang="ja-JP" altLang="en-US" dirty="0"/>
-              <a:t>　</a:t>
-            </a:r>
-            <a:r>
-              <a:rPr lang="ja-JP" altLang="en-US" dirty="0" smtClean="0"/>
-              <a:t>プロトタイプを用いたインタビュー</a:t>
-            </a:r>
-            <a:endParaRPr kumimoji="1" lang="ja-JP" altLang="en-US" dirty="0"/>
+            <a:r>
+              <a:rPr lang="en-US" altLang="ja-JP" sz="3600" dirty="0">
+                <a:solidFill>
+                  <a:schemeClr val="tx1"/>
+                </a:solidFill>
+              </a:rPr>
+              <a:t>	</a:t>
+            </a:r>
+            <a:r>
+              <a:rPr lang="ja-JP" altLang="en-US" sz="3600" dirty="0" smtClean="0">
+                <a:solidFill>
+                  <a:schemeClr val="tx1"/>
+                </a:solidFill>
+              </a:rPr>
+              <a:t>プロトタイプ</a:t>
+            </a:r>
+            <a:r>
+              <a:rPr lang="ja-JP" altLang="en-US" sz="3600" dirty="0" smtClean="0">
+                <a:solidFill>
+                  <a:schemeClr val="tx1"/>
+                </a:solidFill>
+              </a:rPr>
+              <a:t>を用いたインタビュー</a:t>
+            </a:r>
+            <a:endParaRPr kumimoji="1" lang="ja-JP" altLang="en-US" sz="3600" dirty="0">
+              <a:solidFill>
+                <a:schemeClr val="tx1"/>
+              </a:solidFill>
+            </a:endParaRPr>
           </a:p>
         </p:txBody>
       </p:sp>
@@ -9742,8 +10030,8 @@
         </p:blipFill>
         <p:spPr>
           <a:xfrm>
-            <a:off x="2392886" y="1689745"/>
-            <a:ext cx="8158270" cy="4666660"/>
+            <a:off x="3932609" y="2014431"/>
+            <a:ext cx="8018672" cy="4548230"/>
           </a:xfrm>
           <a:prstGeom prst="rect">
             <a:avLst/>
@@ -9759,13 +10047,13 @@
         </p:nvSpPr>
         <p:spPr>
           <a:xfrm>
-            <a:off x="1143000" y="3887672"/>
+            <a:off x="292860" y="2118948"/>
             <a:ext cx="4056845" cy="1725769"/>
           </a:xfrm>
           <a:prstGeom prst="wedgeRoundRectCallout">
             <a:avLst>
-              <a:gd name="adj1" fmla="val -180073"/>
-              <a:gd name="adj2" fmla="val -36754"/>
+              <a:gd name="adj1" fmla="val 89138"/>
+              <a:gd name="adj2" fmla="val 28148"/>
               <a:gd name="adj3" fmla="val 16667"/>
             </a:avLst>
           </a:prstGeom>
@@ -9824,9 +10112,88 @@
   <p:timing>
     <p:tnLst>
       <p:par>
-        <p:cTn id="1" dur="indefinite" restart="never" nodeType="tmRoot"/>
+        <p:cTn id="1" dur="indefinite" restart="never" nodeType="tmRoot">
+          <p:childTnLst>
+            <p:seq concurrent="1" nextAc="seek">
+              <p:cTn id="2" dur="indefinite" nodeType="mainSeq">
+                <p:childTnLst>
+                  <p:par>
+                    <p:cTn id="3" fill="hold">
+                      <p:stCondLst>
+                        <p:cond delay="indefinite"/>
+                      </p:stCondLst>
+                      <p:childTnLst>
+                        <p:par>
+                          <p:cTn id="4" fill="hold">
+                            <p:stCondLst>
+                              <p:cond delay="0"/>
+                            </p:stCondLst>
+                            <p:childTnLst>
+                              <p:par>
+                                <p:cTn id="5" presetID="10" presetClass="entr" presetSubtype="0" fill="hold" grpId="0" nodeType="clickEffect">
+                                  <p:stCondLst>
+                                    <p:cond delay="0"/>
+                                  </p:stCondLst>
+                                  <p:childTnLst>
+                                    <p:set>
+                                      <p:cBhvr>
+                                        <p:cTn id="6" dur="1" fill="hold">
+                                          <p:stCondLst>
+                                            <p:cond delay="0"/>
+                                          </p:stCondLst>
+                                        </p:cTn>
+                                        <p:tgtEl>
+                                          <p:spTgt spid="4"/>
+                                        </p:tgtEl>
+                                        <p:attrNameLst>
+                                          <p:attrName>style.visibility</p:attrName>
+                                        </p:attrNameLst>
+                                      </p:cBhvr>
+                                      <p:to>
+                                        <p:strVal val="visible"/>
+                                      </p:to>
+                                    </p:set>
+                                    <p:animEffect transition="in" filter="fade">
+                                      <p:cBhvr>
+                                        <p:cTn id="7" dur="500"/>
+                                        <p:tgtEl>
+                                          <p:spTgt spid="4"/>
+                                        </p:tgtEl>
+                                      </p:cBhvr>
+                                    </p:animEffect>
+                                  </p:childTnLst>
+                                </p:cTn>
+                              </p:par>
+                            </p:childTnLst>
+                          </p:cTn>
+                        </p:par>
+                      </p:childTnLst>
+                    </p:cTn>
+                  </p:par>
+                </p:childTnLst>
+              </p:cTn>
+              <p:prevCondLst>
+                <p:cond evt="onPrev" delay="0">
+                  <p:tgtEl>
+                    <p:sldTgt/>
+                  </p:tgtEl>
+                </p:cond>
+              </p:prevCondLst>
+              <p:nextCondLst>
+                <p:cond evt="onNext" delay="0">
+                  <p:tgtEl>
+                    <p:sldTgt/>
+                  </p:tgtEl>
+                </p:cond>
+              </p:nextCondLst>
+            </p:seq>
+          </p:childTnLst>
+        </p:cTn>
       </p:par>
     </p:tnLst>
+    <p:bldLst>
+      <p:bldP spid="4" grpId="0" animBg="1"/>
+    </p:bldLst>
   </p:timing>
 </p:sld>
 </file>
@@ -9834,7 +10201,7 @@
 <file path=ppt/theme/theme1.xml><?xml version="1.0" encoding="utf-8"?>
 <a:theme xmlns:a="http://schemas.openxmlformats.org/drawingml/2006/main" name="基礎">
   <a:themeElements>
-    <a:clrScheme name="基礎">
+    <a:clrScheme name="青">
       <a:dk1>
         <a:sysClr val="windowText" lastClr="000000"/>
       </a:dk1>
@@ -9842,34 +10209,34 @@
         <a:sysClr val="window" lastClr="FFFFFF"/>
       </a:lt1>
       <a:dk2>
-        <a:srgbClr val="335B74"/>
+        <a:srgbClr val="17406D"/>
       </a:dk2>
       <a:lt2>
-        <a:srgbClr val="DFE3E5"/>
+        <a:srgbClr val="DBEFF9"/>
       </a:lt2>
       <a:accent1>
-        <a:srgbClr val="1CADE4"/>
+        <a:srgbClr val="0F6FC6"/>
       </a:accent1>
       <a:accent2>
-        <a:srgbClr val="2683C6"/>
+        <a:srgbClr val="009DD9"/>
       </a:accent2>
       <a:accent3>
-        <a:srgbClr val="27CED7"/>
+        <a:srgbClr val="0BD0D9"/>
       </a:accent3>
       <a:accent4>
-        <a:srgbClr val="42BA97"/>
+        <a:srgbClr val="10CF9B"/>
       </a:accent4>
       <a:accent5>
-        <a:srgbClr val="3E8853"/>
+        <a:srgbClr val="7CCA62"/>
       </a:accent5>
       <a:accent6>
-        <a:srgbClr val="62A39F"/>
+        <a:srgbClr val="A5C249"/>
       </a:accent6>
       <a:hlink>
-        <a:srgbClr val="6EAC1C"/>
+        <a:srgbClr val="F49100"/>
       </a:hlink>
       <a:folHlink>
-        <a:srgbClr val="B26B02"/>
+        <a:srgbClr val="85DFD0"/>
       </a:folHlink>
     </a:clrScheme>
     <a:fontScheme name="基礎">

--- a/production-idea/第2回中間発表改定２.pptx
+++ b/production-idea/第2回中間発表改定２.pptx
@@ -903,10 +903,10 @@
         <a:p>
           <a:pPr rtl="0"/>
           <a:r>
-            <a:rPr kumimoji="1" lang="ja-JP" smtClean="0"/>
+            <a:rPr kumimoji="1" lang="ja-JP" dirty="0" smtClean="0"/>
             <a:t>フォルダを作って</a:t>
           </a:r>
-          <a:endParaRPr lang="ja-JP"/>
+          <a:endParaRPr lang="ja-JP" dirty="0"/>
         </a:p>
       </dgm:t>
     </dgm:pt>
@@ -1285,10 +1285,10 @@
             </a:spcAft>
           </a:pPr>
           <a:r>
-            <a:rPr kumimoji="1" lang="ja-JP" sz="2200" kern="1200" smtClean="0"/>
+            <a:rPr kumimoji="1" lang="ja-JP" sz="2200" kern="1200" dirty="0" smtClean="0"/>
             <a:t>フォルダを作って</a:t>
           </a:r>
-          <a:endParaRPr lang="ja-JP" sz="2200" kern="1200"/>
+          <a:endParaRPr lang="ja-JP" sz="2200" kern="1200" dirty="0"/>
         </a:p>
       </dsp:txBody>
       <dsp:txXfrm>
@@ -4430,7 +4430,11 @@
           <a:p>
             <a:r>
               <a:rPr kumimoji="1" lang="ja-JP" altLang="en-US" dirty="0" smtClean="0"/>
-              <a:t>通常ブックマークを整理する時を想像して？</a:t>
+              <a:t>通常　調べてブックマークした　ブックマーク</a:t>
+            </a:r>
+            <a:r>
+              <a:rPr kumimoji="1" lang="ja-JP" altLang="en-US" dirty="0" smtClean="0"/>
+              <a:t>を整理する時を想像して？</a:t>
             </a:r>
             <a:endParaRPr kumimoji="1" lang="en-US" altLang="ja-JP" dirty="0" smtClean="0"/>
           </a:p>
@@ -4683,7 +4687,72 @@
           <a:p>
             <a:r>
               <a:rPr kumimoji="1" lang="ja-JP" altLang="en-US" dirty="0" smtClean="0"/>
-              <a:t>サービス価値の調査</a:t>
+              <a:t>ユーザーとしては</a:t>
+            </a:r>
+            <a:endParaRPr kumimoji="1" lang="en-US" altLang="ja-JP" dirty="0" smtClean="0"/>
+          </a:p>
+          <a:p>
+            <a:r>
+              <a:rPr kumimoji="1" lang="ja-JP" altLang="en-US" dirty="0" smtClean="0"/>
+              <a:t>ブックマーク溢れ整理追いつかなくなった人</a:t>
+            </a:r>
+            <a:endParaRPr kumimoji="1" lang="en-US" altLang="ja-JP" dirty="0" smtClean="0"/>
+          </a:p>
+          <a:p>
+            <a:r>
+              <a:rPr kumimoji="1" lang="ja-JP" altLang="en-US" dirty="0" smtClean="0"/>
+              <a:t>ブックマーク整理したいんだけど労力の多さ（大変で</a:t>
+            </a:r>
+            <a:r>
+              <a:rPr kumimoji="1" lang="ja-JP" altLang="en-US" dirty="0" err="1" smtClean="0"/>
+              <a:t>やっ</a:t>
+            </a:r>
+            <a:r>
+              <a:rPr kumimoji="1" lang="ja-JP" altLang="en-US" dirty="0" smtClean="0"/>
+              <a:t>てられない）という人</a:t>
+            </a:r>
+            <a:endParaRPr kumimoji="1" lang="en-US" altLang="ja-JP" dirty="0" smtClean="0"/>
+          </a:p>
+          <a:p>
+            <a:endParaRPr kumimoji="1" lang="en-US" altLang="ja-JP" dirty="0" smtClean="0"/>
+          </a:p>
+          <a:p>
+            <a:r>
+              <a:rPr kumimoji="1" lang="ja-JP" altLang="en-US" dirty="0" smtClean="0"/>
+              <a:t>を対象に見ます</a:t>
+            </a:r>
+            <a:endParaRPr kumimoji="1" lang="en-US" altLang="ja-JP" dirty="0" smtClean="0"/>
+          </a:p>
+          <a:p>
+            <a:endParaRPr kumimoji="1" lang="en-US" altLang="ja-JP" dirty="0" smtClean="0"/>
+          </a:p>
+          <a:p>
+            <a:r>
+              <a:rPr kumimoji="1" lang="ja-JP" altLang="en-US" dirty="0" smtClean="0"/>
+              <a:t>さらにコアユーザーとして</a:t>
+            </a:r>
+            <a:endParaRPr kumimoji="1" lang="en-US" altLang="ja-JP" dirty="0" smtClean="0"/>
+          </a:p>
+          <a:p>
+            <a:r>
+              <a:rPr kumimoji="1" lang="ja-JP" altLang="en-US" dirty="0" smtClean="0"/>
+              <a:t>よく調べ物をしてページをどんどん</a:t>
+            </a:r>
+            <a:r>
+              <a:rPr kumimoji="1" lang="en-US" altLang="ja-JP" dirty="0" smtClean="0"/>
+              <a:t>BM</a:t>
+            </a:r>
+            <a:r>
+              <a:rPr kumimoji="1" lang="ja-JP" altLang="en-US" dirty="0" smtClean="0"/>
+              <a:t>していく事が多いと予想される</a:t>
+            </a:r>
+            <a:r>
+              <a:rPr kumimoji="1" lang="en-US" altLang="ja-JP" dirty="0" smtClean="0"/>
+              <a:t>IT</a:t>
+            </a:r>
+            <a:r>
+              <a:rPr kumimoji="1" lang="ja-JP" altLang="en-US" dirty="0" smtClean="0"/>
+              <a:t>エンジニアをコアユーザーと考えます</a:t>
             </a:r>
             <a:endParaRPr kumimoji="1" lang="ja-JP" altLang="en-US" dirty="0"/>
           </a:p>
@@ -4706,7 +4775,7 @@
           <a:p>
             <a:fld id="{CC0E4D9D-9C68-4300-B20E-3E57F16C8E20}" type="slidenum">
               <a:rPr kumimoji="1" lang="ja-JP" altLang="en-US" smtClean="0"/>
-              <a:t>13</a:t>
+              <a:t>5</a:t>
             </a:fld>
             <a:endParaRPr kumimoji="1" lang="ja-JP" altLang="en-US"/>
           </a:p>
@@ -4715,7 +4784,7 @@
     </p:spTree>
     <p:extLst>
       <p:ext uri="{BB962C8B-B14F-4D97-AF65-F5344CB8AC3E}">
-        <p14:creationId xmlns:p14="http://schemas.microsoft.com/office/powerpoint/2010/main" val="2567246220"/>
+        <p14:creationId xmlns:p14="http://schemas.microsoft.com/office/powerpoint/2010/main" val="2833021397"/>
       </p:ext>
     </p:extLst>
   </p:cSld>
@@ -4771,33 +4840,12 @@
           <a:p>
             <a:r>
               <a:rPr kumimoji="1" lang="ja-JP" altLang="en-US" dirty="0" smtClean="0"/>
-              <a:t>対象ユーザーにマッチするかどうか</a:t>
+              <a:t>実際のサービスのデモをしますぅ</a:t>
             </a:r>
             <a:endParaRPr kumimoji="1" lang="en-US" altLang="ja-JP" dirty="0" smtClean="0"/>
           </a:p>
           <a:p>
-            <a:r>
-              <a:rPr kumimoji="1" lang="ja-JP" altLang="en-US" dirty="0" smtClean="0"/>
-              <a:t>→　事前質問をした</a:t>
-            </a:r>
-            <a:endParaRPr kumimoji="1" lang="en-US" altLang="ja-JP" dirty="0" smtClean="0"/>
-          </a:p>
-          <a:p>
-            <a:endParaRPr kumimoji="1" lang="en-US" altLang="ja-JP" dirty="0" smtClean="0"/>
-          </a:p>
-          <a:p>
-            <a:r>
-              <a:rPr kumimoji="1" lang="ja-JP" altLang="en-US" dirty="0" smtClean="0"/>
-              <a:t>そしてマッチした場合</a:t>
-            </a:r>
-            <a:endParaRPr kumimoji="1" lang="en-US" altLang="ja-JP" dirty="0" smtClean="0"/>
-          </a:p>
-          <a:p>
-            <a:r>
-              <a:rPr kumimoji="1" lang="ja-JP" altLang="en-US" dirty="0" smtClean="0"/>
-              <a:t>サービスを提案しプロトタイプを見せ意見を求めた</a:t>
-            </a:r>
-            <a:endParaRPr kumimoji="1" lang="en-US" altLang="ja-JP" dirty="0" smtClean="0"/>
+            <a:endParaRPr kumimoji="1" lang="ja-JP" altLang="en-US" dirty="0"/>
           </a:p>
         </p:txBody>
       </p:sp>
@@ -4818,7 +4866,7 @@
           <a:p>
             <a:fld id="{CC0E4D9D-9C68-4300-B20E-3E57F16C8E20}" type="slidenum">
               <a:rPr kumimoji="1" lang="ja-JP" altLang="en-US" smtClean="0"/>
-              <a:t>14</a:t>
+              <a:t>6</a:t>
             </a:fld>
             <a:endParaRPr kumimoji="1" lang="ja-JP" altLang="en-US"/>
           </a:p>
@@ -4827,7 +4875,7 @@
     </p:spTree>
     <p:extLst>
       <p:ext uri="{BB962C8B-B14F-4D97-AF65-F5344CB8AC3E}">
-        <p14:creationId xmlns:p14="http://schemas.microsoft.com/office/powerpoint/2010/main" val="1690865768"/>
+        <p14:creationId xmlns:p14="http://schemas.microsoft.com/office/powerpoint/2010/main" val="2912151816"/>
       </p:ext>
     </p:extLst>
   </p:cSld>
@@ -4881,6 +4929,206 @@
           <a:bodyPr/>
           <a:lstStyle/>
           <a:p>
+            <a:r>
+              <a:rPr kumimoji="1" lang="ja-JP" altLang="en-US" dirty="0" smtClean="0"/>
+              <a:t>サービス価値の調査</a:t>
+            </a:r>
+            <a:endParaRPr kumimoji="1" lang="ja-JP" altLang="en-US" dirty="0"/>
+          </a:p>
+        </p:txBody>
+      </p:sp>
+      <p:sp>
+        <p:nvSpPr>
+          <p:cNvPr id="4" name="スライド番号プレースホルダー 3"/>
+          <p:cNvSpPr>
+            <a:spLocks noGrp="1"/>
+          </p:cNvSpPr>
+          <p:nvPr>
+            <p:ph type="sldNum" sz="quarter" idx="10"/>
+          </p:nvPr>
+        </p:nvSpPr>
+        <p:spPr/>
+        <p:txBody>
+          <a:bodyPr/>
+          <a:lstStyle/>
+          <a:p>
+            <a:fld id="{CC0E4D9D-9C68-4300-B20E-3E57F16C8E20}" type="slidenum">
+              <a:rPr kumimoji="1" lang="ja-JP" altLang="en-US" smtClean="0"/>
+              <a:t>13</a:t>
+            </a:fld>
+            <a:endParaRPr kumimoji="1" lang="ja-JP" altLang="en-US"/>
+          </a:p>
+        </p:txBody>
+      </p:sp>
+    </p:spTree>
+    <p:extLst>
+      <p:ext uri="{BB962C8B-B14F-4D97-AF65-F5344CB8AC3E}">
+        <p14:creationId xmlns:p14="http://schemas.microsoft.com/office/powerpoint/2010/main" val="2567246220"/>
+      </p:ext>
+    </p:extLst>
+  </p:cSld>
+  <p:clrMapOvr>
+    <a:masterClrMapping/>
+  </p:clrMapOvr>
+</p:notes>
+</file>
+
+<file path=ppt/notesSlides/notesSlide7.xml><?xml version="1.0" encoding="utf-8"?>
+<p:notes xmlns:a="http://schemas.openxmlformats.org/drawingml/2006/main" xmlns:r="http://schemas.openxmlformats.org/officeDocument/2006/relationships" xmlns:p="http://schemas.openxmlformats.org/presentationml/2006/main">
+  <p:cSld>
+    <p:spTree>
+      <p:nvGrpSpPr>
+        <p:cNvPr id="1" name=""/>
+        <p:cNvGrpSpPr/>
+        <p:nvPr/>
+      </p:nvGrpSpPr>
+      <p:grpSpPr>
+        <a:xfrm>
+          <a:off x="0" y="0"/>
+          <a:ext cx="0" cy="0"/>
+          <a:chOff x="0" y="0"/>
+          <a:chExt cx="0" cy="0"/>
+        </a:xfrm>
+      </p:grpSpPr>
+      <p:sp>
+        <p:nvSpPr>
+          <p:cNvPr id="2" name="スライド イメージ プレースホルダー 1"/>
+          <p:cNvSpPr>
+            <a:spLocks noGrp="1" noRot="1" noChangeAspect="1"/>
+          </p:cNvSpPr>
+          <p:nvPr>
+            <p:ph type="sldImg"/>
+          </p:nvPr>
+        </p:nvSpPr>
+        <p:spPr/>
+      </p:sp>
+      <p:sp>
+        <p:nvSpPr>
+          <p:cNvPr id="3" name="ノート プレースホルダー 2"/>
+          <p:cNvSpPr>
+            <a:spLocks noGrp="1"/>
+          </p:cNvSpPr>
+          <p:nvPr>
+            <p:ph type="body" idx="1"/>
+          </p:nvPr>
+        </p:nvSpPr>
+        <p:spPr/>
+        <p:txBody>
+          <a:bodyPr/>
+          <a:lstStyle/>
+          <a:p>
+            <a:r>
+              <a:rPr kumimoji="1" lang="ja-JP" altLang="en-US" dirty="0" smtClean="0"/>
+              <a:t>対象ユーザーにマッチするかどうか</a:t>
+            </a:r>
+            <a:endParaRPr kumimoji="1" lang="en-US" altLang="ja-JP" dirty="0" smtClean="0"/>
+          </a:p>
+          <a:p>
+            <a:r>
+              <a:rPr kumimoji="1" lang="ja-JP" altLang="en-US" dirty="0" smtClean="0"/>
+              <a:t>→　事前質問をした</a:t>
+            </a:r>
+            <a:endParaRPr kumimoji="1" lang="en-US" altLang="ja-JP" dirty="0" smtClean="0"/>
+          </a:p>
+          <a:p>
+            <a:endParaRPr kumimoji="1" lang="en-US" altLang="ja-JP" dirty="0" smtClean="0"/>
+          </a:p>
+          <a:p>
+            <a:r>
+              <a:rPr kumimoji="1" lang="ja-JP" altLang="en-US" dirty="0" smtClean="0"/>
+              <a:t>そしてマッチした場合</a:t>
+            </a:r>
+            <a:endParaRPr kumimoji="1" lang="en-US" altLang="ja-JP" dirty="0" smtClean="0"/>
+          </a:p>
+          <a:p>
+            <a:r>
+              <a:rPr kumimoji="1" lang="ja-JP" altLang="en-US" dirty="0" smtClean="0"/>
+              <a:t>サービスを提案しプロトタイプを見せ意見を求めた</a:t>
+            </a:r>
+            <a:endParaRPr kumimoji="1" lang="en-US" altLang="ja-JP" dirty="0" smtClean="0"/>
+          </a:p>
+        </p:txBody>
+      </p:sp>
+      <p:sp>
+        <p:nvSpPr>
+          <p:cNvPr id="4" name="スライド番号プレースホルダー 3"/>
+          <p:cNvSpPr>
+            <a:spLocks noGrp="1"/>
+          </p:cNvSpPr>
+          <p:nvPr>
+            <p:ph type="sldNum" sz="quarter" idx="10"/>
+          </p:nvPr>
+        </p:nvSpPr>
+        <p:spPr/>
+        <p:txBody>
+          <a:bodyPr/>
+          <a:lstStyle/>
+          <a:p>
+            <a:fld id="{CC0E4D9D-9C68-4300-B20E-3E57F16C8E20}" type="slidenum">
+              <a:rPr kumimoji="1" lang="ja-JP" altLang="en-US" smtClean="0"/>
+              <a:t>14</a:t>
+            </a:fld>
+            <a:endParaRPr kumimoji="1" lang="ja-JP" altLang="en-US"/>
+          </a:p>
+        </p:txBody>
+      </p:sp>
+    </p:spTree>
+    <p:extLst>
+      <p:ext uri="{BB962C8B-B14F-4D97-AF65-F5344CB8AC3E}">
+        <p14:creationId xmlns:p14="http://schemas.microsoft.com/office/powerpoint/2010/main" val="1690865768"/>
+      </p:ext>
+    </p:extLst>
+  </p:cSld>
+  <p:clrMapOvr>
+    <a:masterClrMapping/>
+  </p:clrMapOvr>
+</p:notes>
+</file>
+
+<file path=ppt/notesSlides/notesSlide8.xml><?xml version="1.0" encoding="utf-8"?>
+<p:notes xmlns:a="http://schemas.openxmlformats.org/drawingml/2006/main" xmlns:r="http://schemas.openxmlformats.org/officeDocument/2006/relationships" xmlns:p="http://schemas.openxmlformats.org/presentationml/2006/main">
+  <p:cSld>
+    <p:spTree>
+      <p:nvGrpSpPr>
+        <p:cNvPr id="1" name=""/>
+        <p:cNvGrpSpPr/>
+        <p:nvPr/>
+      </p:nvGrpSpPr>
+      <p:grpSpPr>
+        <a:xfrm>
+          <a:off x="0" y="0"/>
+          <a:ext cx="0" cy="0"/>
+          <a:chOff x="0" y="0"/>
+          <a:chExt cx="0" cy="0"/>
+        </a:xfrm>
+      </p:grpSpPr>
+      <p:sp>
+        <p:nvSpPr>
+          <p:cNvPr id="2" name="スライド イメージ プレースホルダー 1"/>
+          <p:cNvSpPr>
+            <a:spLocks noGrp="1" noRot="1" noChangeAspect="1"/>
+          </p:cNvSpPr>
+          <p:nvPr>
+            <p:ph type="sldImg"/>
+          </p:nvPr>
+        </p:nvSpPr>
+        <p:spPr/>
+      </p:sp>
+      <p:sp>
+        <p:nvSpPr>
+          <p:cNvPr id="3" name="ノート プレースホルダー 2"/>
+          <p:cNvSpPr>
+            <a:spLocks noGrp="1"/>
+          </p:cNvSpPr>
+          <p:nvPr>
+            <p:ph type="body" idx="1"/>
+          </p:nvPr>
+        </p:nvSpPr>
+        <p:spPr/>
+        <p:txBody>
+          <a:bodyPr/>
+          <a:lstStyle/>
+          <a:p>
             <a:endParaRPr kumimoji="1" lang="ja-JP" altLang="en-US" dirty="0"/>
           </a:p>
         </p:txBody>
@@ -4921,7 +5169,7 @@
 </p:notes>
 </file>
 
-<file path=ppt/notesSlides/notesSlide7.xml><?xml version="1.0" encoding="utf-8"?>
+<file path=ppt/notesSlides/notesSlide9.xml><?xml version="1.0" encoding="utf-8"?>
 <p:notes xmlns:a="http://schemas.openxmlformats.org/drawingml/2006/main" xmlns:r="http://schemas.openxmlformats.org/officeDocument/2006/relationships" xmlns:p="http://schemas.openxmlformats.org/presentationml/2006/main">
   <p:cSld>
     <p:spTree>
@@ -16042,7 +16290,7 @@
           <a:p>
             <a:pPr algn="ctr"/>
             <a:r>
-              <a:rPr kumimoji="1" lang="ja-JP" altLang="en-US" sz="2400" dirty="0" smtClean="0">
+              <a:rPr kumimoji="1" lang="ja-JP" altLang="en-US" sz="3200" dirty="0" smtClean="0">
                 <a:solidFill>
                   <a:schemeClr val="tx1"/>
                 </a:solidFill>
@@ -16050,7 +16298,7 @@
               <a:t>このうち</a:t>
             </a:r>
             <a:r>
-              <a:rPr kumimoji="1" lang="en-US" altLang="ja-JP" sz="2400" dirty="0" smtClean="0">
+              <a:rPr kumimoji="1" lang="en-US" altLang="ja-JP" sz="3200" dirty="0" smtClean="0">
                 <a:solidFill>
                   <a:schemeClr val="tx1"/>
                 </a:solidFill>
@@ -16058,7 +16306,7 @@
               <a:t>60%</a:t>
             </a:r>
             <a:r>
-              <a:rPr kumimoji="1" lang="ja-JP" altLang="en-US" sz="2400" dirty="0" err="1" smtClean="0">
+              <a:rPr kumimoji="1" lang="ja-JP" altLang="en-US" sz="3200" dirty="0" err="1" smtClean="0">
                 <a:solidFill>
                   <a:schemeClr val="tx1"/>
                 </a:solidFill>
@@ -16066,14 +16314,14 @@
               <a:t>がブック</a:t>
             </a:r>
             <a:r>
-              <a:rPr kumimoji="1" lang="ja-JP" altLang="en-US" sz="2400" dirty="0" smtClean="0">
+              <a:rPr kumimoji="1" lang="ja-JP" altLang="en-US" sz="3200" dirty="0" smtClean="0">
                 <a:solidFill>
                   <a:schemeClr val="tx1"/>
                 </a:solidFill>
               </a:rPr>
               <a:t>マークを整理できていない</a:t>
             </a:r>
-            <a:endParaRPr kumimoji="1" lang="ja-JP" altLang="en-US" sz="2400" dirty="0">
+            <a:endParaRPr kumimoji="1" lang="ja-JP" altLang="en-US" sz="3200" dirty="0">
               <a:solidFill>
                 <a:schemeClr val="tx1"/>
               </a:solidFill>
@@ -16236,7 +16484,7 @@
         <p:spPr>
           <a:xfrm>
             <a:off x="1365160" y="1663522"/>
-            <a:ext cx="5678157" cy="1200329"/>
+            <a:ext cx="7507183" cy="1569660"/>
           </a:xfrm>
           <a:prstGeom prst="rect">
             <a:avLst/>
@@ -16250,71 +16498,71 @@
           <a:lstStyle/>
           <a:p>
             <a:r>
-              <a:rPr kumimoji="1" lang="ja-JP" altLang="en-US" sz="2400" dirty="0" smtClean="0"/>
+              <a:rPr kumimoji="1" lang="ja-JP" altLang="en-US" sz="3200" dirty="0" smtClean="0"/>
               <a:t>日本生産年齢人口</a:t>
             </a:r>
             <a:r>
-              <a:rPr kumimoji="1" lang="en-US" altLang="ja-JP" sz="2400" dirty="0" smtClean="0"/>
+              <a:rPr kumimoji="1" lang="en-US" altLang="ja-JP" sz="3200" dirty="0" smtClean="0"/>
               <a:t>8000</a:t>
             </a:r>
             <a:r>
-              <a:rPr kumimoji="1" lang="ja-JP" altLang="en-US" sz="2400" dirty="0" smtClean="0"/>
+              <a:rPr kumimoji="1" lang="ja-JP" altLang="en-US" sz="3200" dirty="0" smtClean="0"/>
               <a:t>万人</a:t>
             </a:r>
-            <a:endParaRPr kumimoji="1" lang="en-US" altLang="ja-JP" sz="2400" dirty="0" smtClean="0"/>
-          </a:p>
-          <a:p>
-            <a:r>
-              <a:rPr lang="ja-JP" altLang="en-US" sz="2400" dirty="0" smtClean="0"/>
+            <a:endParaRPr kumimoji="1" lang="en-US" altLang="ja-JP" sz="3200" dirty="0" smtClean="0"/>
+          </a:p>
+          <a:p>
+            <a:r>
+              <a:rPr lang="ja-JP" altLang="en-US" sz="3200" dirty="0" smtClean="0"/>
               <a:t>ブック</a:t>
             </a:r>
             <a:r>
-              <a:rPr lang="ja-JP" altLang="en-US" sz="2400" dirty="0"/>
+              <a:rPr lang="ja-JP" altLang="en-US" sz="3200" dirty="0"/>
               <a:t>マーク</a:t>
             </a:r>
             <a:r>
-              <a:rPr lang="ja-JP" altLang="en-US" sz="2400" dirty="0" smtClean="0"/>
+              <a:rPr lang="ja-JP" altLang="en-US" sz="3200" dirty="0" smtClean="0"/>
               <a:t>が多い人</a:t>
             </a:r>
             <a:r>
-              <a:rPr lang="en-US" altLang="ja-JP" sz="2400" dirty="0" smtClean="0"/>
+              <a:rPr lang="en-US" altLang="ja-JP" sz="3200" dirty="0" smtClean="0"/>
               <a:t>14%</a:t>
             </a:r>
           </a:p>
           <a:p>
             <a:r>
-              <a:rPr kumimoji="1" lang="ja-JP" altLang="en-US" sz="2400" dirty="0" smtClean="0"/>
+              <a:rPr kumimoji="1" lang="ja-JP" altLang="en-US" sz="3200" dirty="0" smtClean="0"/>
               <a:t>ブック</a:t>
             </a:r>
             <a:r>
-              <a:rPr kumimoji="1" lang="ja-JP" altLang="en-US" sz="2400" dirty="0"/>
+              <a:rPr kumimoji="1" lang="ja-JP" altLang="en-US" sz="3200" dirty="0"/>
               <a:t>マーク</a:t>
             </a:r>
             <a:r>
-              <a:rPr kumimoji="1" lang="ja-JP" altLang="en-US" sz="2400" dirty="0" smtClean="0"/>
+              <a:rPr kumimoji="1" lang="ja-JP" altLang="en-US" sz="3200" dirty="0" smtClean="0"/>
               <a:t>の</a:t>
             </a:r>
             <a:r>
-              <a:rPr kumimoji="1" lang="ja-JP" altLang="en-US" sz="2400" dirty="0"/>
+              <a:rPr kumimoji="1" lang="ja-JP" altLang="en-US" sz="3200" dirty="0"/>
               <a:t>整理</a:t>
             </a:r>
             <a:r>
-              <a:rPr kumimoji="1" lang="ja-JP" altLang="en-US" sz="2400" dirty="0" smtClean="0"/>
+              <a:rPr kumimoji="1" lang="ja-JP" altLang="en-US" sz="3200" dirty="0" smtClean="0"/>
               <a:t>に</a:t>
             </a:r>
             <a:r>
-              <a:rPr kumimoji="1" lang="ja-JP" altLang="en-US" sz="2400" dirty="0"/>
+              <a:rPr kumimoji="1" lang="ja-JP" altLang="en-US" sz="3200" dirty="0"/>
               <a:t>困</a:t>
             </a:r>
             <a:r>
-              <a:rPr kumimoji="1" lang="ja-JP" altLang="en-US" sz="2400" dirty="0" smtClean="0"/>
+              <a:rPr kumimoji="1" lang="ja-JP" altLang="en-US" sz="3200" dirty="0" smtClean="0"/>
               <a:t>っている人</a:t>
             </a:r>
             <a:r>
-              <a:rPr kumimoji="1" lang="en-US" altLang="ja-JP" sz="2400" dirty="0" smtClean="0"/>
+              <a:rPr kumimoji="1" lang="en-US" altLang="ja-JP" sz="3200" dirty="0" smtClean="0"/>
               <a:t>60%</a:t>
             </a:r>
-            <a:endParaRPr kumimoji="1" lang="en-US" altLang="ja-JP" sz="2400" dirty="0"/>
+            <a:endParaRPr kumimoji="1" lang="en-US" altLang="ja-JP" sz="3200" dirty="0"/>
           </a:p>
         </p:txBody>
       </p:sp>
@@ -16326,7 +16574,7 @@
         </p:nvSpPr>
         <p:spPr>
           <a:xfrm>
-            <a:off x="1540957" y="3557575"/>
+            <a:off x="1425047" y="4121689"/>
             <a:ext cx="9311425" cy="1207607"/>
           </a:xfrm>
           <a:prstGeom prst="wedgeRoundRectCallout">
@@ -16359,7 +16607,7 @@
           <a:p>
             <a:pPr algn="ctr"/>
             <a:r>
-              <a:rPr lang="en-US" altLang="ja-JP" sz="2800" dirty="0">
+              <a:rPr lang="en-US" altLang="ja-JP" sz="4000" dirty="0">
                 <a:solidFill>
                   <a:schemeClr val="tx1"/>
                 </a:solidFill>
@@ -16367,7 +16615,7 @@
               <a:t>650</a:t>
             </a:r>
             <a:r>
-              <a:rPr kumimoji="1" lang="ja-JP" altLang="en-US" sz="2800" dirty="0" smtClean="0">
+              <a:rPr kumimoji="1" lang="ja-JP" altLang="en-US" sz="4000" dirty="0" smtClean="0">
                 <a:solidFill>
                   <a:schemeClr val="tx1"/>
                 </a:solidFill>
@@ -16375,7 +16623,7 @@
               <a:t>万人の</a:t>
             </a:r>
             <a:r>
-              <a:rPr lang="ja-JP" altLang="en-US" sz="2800" dirty="0" smtClean="0">
+              <a:rPr lang="ja-JP" altLang="en-US" sz="4000" dirty="0" smtClean="0">
                 <a:solidFill>
                   <a:schemeClr val="tx1"/>
                 </a:solidFill>
@@ -16383,14 +16631,14 @@
               <a:t>市場</a:t>
             </a:r>
             <a:r>
-              <a:rPr lang="ja-JP" altLang="en-US" sz="2800" dirty="0">
+              <a:rPr lang="ja-JP" altLang="en-US" sz="4000" dirty="0">
                 <a:solidFill>
                   <a:schemeClr val="tx1"/>
                 </a:solidFill>
               </a:rPr>
               <a:t>規模</a:t>
             </a:r>
-            <a:endParaRPr kumimoji="1" lang="ja-JP" altLang="en-US" sz="2800" dirty="0">
+            <a:endParaRPr kumimoji="1" lang="ja-JP" altLang="en-US" sz="4000" dirty="0">
               <a:solidFill>
                 <a:schemeClr val="tx1"/>
               </a:solidFill>
@@ -16840,54 +17088,19 @@
           <a:p>
             <a:r>
               <a:rPr kumimoji="1" lang="ja-JP" altLang="en-US" dirty="0" smtClean="0"/>
-              <a:t>インタビュー結果</a:t>
-            </a:r>
-            <a:r>
-              <a:rPr kumimoji="1" lang="en-US" altLang="ja-JP" dirty="0" smtClean="0"/>
-              <a:t/>
-            </a:r>
-            <a:br>
-              <a:rPr kumimoji="1" lang="en-US" altLang="ja-JP" dirty="0" smtClean="0"/>
-            </a:br>
+              <a:t>インタビュー</a:t>
+            </a:r>
+            <a:r>
+              <a:rPr kumimoji="1" lang="ja-JP" altLang="en-US" dirty="0" smtClean="0"/>
+              <a:t>結果</a:t>
+            </a:r>
             <a:r>
               <a:rPr kumimoji="1" lang="ja-JP" altLang="en-US" sz="3200" dirty="0" smtClean="0"/>
               <a:t>（</a:t>
             </a:r>
             <a:r>
               <a:rPr kumimoji="1" lang="en-US" altLang="ja-JP" sz="3200" dirty="0" smtClean="0"/>
-              <a:t>1</a:t>
-            </a:r>
-            <a:r>
-              <a:rPr kumimoji="1" lang="ja-JP" altLang="en-US" sz="3200" dirty="0" smtClean="0"/>
-              <a:t>回目</a:t>
-            </a:r>
-            <a:r>
-              <a:rPr kumimoji="1" lang="en-US" altLang="ja-JP" sz="3200" dirty="0" smtClean="0"/>
-              <a:t>11</a:t>
-            </a:r>
-            <a:r>
-              <a:rPr kumimoji="1" lang="ja-JP" altLang="en-US" sz="3200" dirty="0" smtClean="0"/>
-              <a:t>人</a:t>
-            </a:r>
-            <a:r>
-              <a:rPr kumimoji="1" lang="en-US" altLang="ja-JP" sz="3200" dirty="0" smtClean="0"/>
-              <a:t>+2</a:t>
-            </a:r>
-            <a:r>
-              <a:rPr kumimoji="1" lang="ja-JP" altLang="en-US" sz="3200" dirty="0" smtClean="0"/>
-              <a:t>回目</a:t>
-            </a:r>
-            <a:r>
-              <a:rPr kumimoji="1" lang="en-US" altLang="ja-JP" sz="3200" dirty="0" smtClean="0"/>
-              <a:t>9</a:t>
-            </a:r>
-            <a:r>
-              <a:rPr kumimoji="1" lang="ja-JP" altLang="en-US" sz="3200" dirty="0" smtClean="0"/>
-              <a:t>人</a:t>
-            </a:r>
-            <a:r>
-              <a:rPr kumimoji="1" lang="en-US" altLang="ja-JP" sz="3200" dirty="0" smtClean="0"/>
-              <a:t>=20</a:t>
+              <a:t>20</a:t>
             </a:r>
             <a:r>
               <a:rPr kumimoji="1" lang="ja-JP" altLang="en-US" sz="3200" dirty="0" smtClean="0"/>
@@ -16936,22 +17149,14 @@
             </a:r>
             <a:r>
               <a:rPr kumimoji="1" lang="ja-JP" altLang="en-US" sz="2400" dirty="0" smtClean="0"/>
-              <a:t>ブックマーク</a:t>
-            </a:r>
+              <a:t>ブックマーク多数</a:t>
+            </a:r>
+            <a:endParaRPr kumimoji="1" lang="en-US" altLang="ja-JP" sz="2400" dirty="0" smtClean="0"/>
+          </a:p>
+          <a:p>
             <a:r>
               <a:rPr kumimoji="1" lang="ja-JP" altLang="en-US" sz="2400" dirty="0" smtClean="0"/>
-              <a:t>多数</a:t>
-            </a:r>
-            <a:endParaRPr kumimoji="1" lang="en-US" altLang="ja-JP" sz="2400" dirty="0" smtClean="0"/>
-          </a:p>
-          <a:p>
-            <a:r>
-              <a:rPr kumimoji="1" lang="ja-JP" altLang="en-US" sz="2400" dirty="0" smtClean="0"/>
-              <a:t>　　ブックマーク</a:t>
-            </a:r>
-            <a:r>
-              <a:rPr kumimoji="1" lang="ja-JP" altLang="en-US" sz="2400" dirty="0" smtClean="0"/>
-              <a:t>の内容は技術系のものが多い</a:t>
+              <a:t>　　ブックマークの内容は技術系のものが多い</a:t>
             </a:r>
             <a:endParaRPr kumimoji="1" lang="ja-JP" altLang="en-US" sz="2400" dirty="0"/>
           </a:p>
@@ -16981,11 +17186,7 @@
           <a:p>
             <a:r>
               <a:rPr kumimoji="1" lang="ja-JP" altLang="en-US" sz="2400" dirty="0" smtClean="0"/>
-              <a:t>・現在のプロトタイプ、サービスに</a:t>
-            </a:r>
-            <a:r>
-              <a:rPr kumimoji="1" lang="ja-JP" altLang="en-US" sz="2400" dirty="0" smtClean="0"/>
-              <a:t>対して意見を求めた結果</a:t>
+              <a:t>・現在のプロトタイプ、サービスに対して意見を求めた結果</a:t>
             </a:r>
             <a:endParaRPr kumimoji="1" lang="ja-JP" altLang="en-US" sz="2400" dirty="0"/>
           </a:p>
@@ -17506,45 +17707,49 @@
           <a:p>
             <a:r>
               <a:rPr kumimoji="1" lang="ja-JP" altLang="en-US" sz="2800" dirty="0" smtClean="0"/>
-              <a:t>・サービス使うユーザーは存在する</a:t>
-            </a:r>
-            <a:endParaRPr kumimoji="1" lang="en-US" altLang="ja-JP" sz="2800" dirty="0" smtClean="0"/>
-          </a:p>
-          <a:p>
-            <a:endParaRPr kumimoji="1" lang="en-US" altLang="ja-JP" sz="2800" dirty="0" smtClean="0"/>
-          </a:p>
-          <a:p>
-            <a:r>
-              <a:rPr lang="ja-JP" altLang="en-US" sz="2800" dirty="0" smtClean="0"/>
+              <a:t>・</a:t>
+            </a:r>
+            <a:r>
+              <a:rPr kumimoji="1" lang="ja-JP" altLang="en-US" sz="3200" dirty="0" smtClean="0"/>
+              <a:t>サービス使うユーザーは存在する</a:t>
+            </a:r>
+            <a:endParaRPr kumimoji="1" lang="en-US" altLang="ja-JP" sz="3200" dirty="0" smtClean="0"/>
+          </a:p>
+          <a:p>
+            <a:endParaRPr kumimoji="1" lang="en-US" altLang="ja-JP" sz="3200" dirty="0" smtClean="0"/>
+          </a:p>
+          <a:p>
+            <a:r>
+              <a:rPr lang="ja-JP" altLang="en-US" sz="3200" dirty="0" smtClean="0"/>
               <a:t>・操作回数を少なくシンプルに</a:t>
             </a:r>
             <a:r>
-              <a:rPr lang="ja-JP" altLang="en-US" sz="2800" dirty="0"/>
+              <a:rPr lang="ja-JP" altLang="en-US" sz="3200" dirty="0"/>
               <a:t>改善</a:t>
             </a:r>
             <a:r>
-              <a:rPr lang="ja-JP" altLang="en-US" sz="2800" dirty="0" smtClean="0"/>
-              <a:t>する必要がある</a:t>
-            </a:r>
-            <a:endParaRPr lang="en-US" altLang="ja-JP" sz="2800" dirty="0" smtClean="0"/>
-          </a:p>
-          <a:p>
-            <a:endParaRPr lang="en-US" altLang="ja-JP" sz="2800" dirty="0"/>
-          </a:p>
-          <a:p>
-            <a:r>
-              <a:rPr lang="ja-JP" altLang="en-US" sz="2800" dirty="0" smtClean="0"/>
+              <a:rPr lang="ja-JP" altLang="en-US" sz="3200" dirty="0" smtClean="0"/>
+              <a:t>すべき</a:t>
+            </a:r>
+            <a:endParaRPr lang="en-US" altLang="ja-JP" sz="3200" dirty="0" smtClean="0"/>
+          </a:p>
+          <a:p>
+            <a:endParaRPr lang="en-US" altLang="ja-JP" sz="3200" dirty="0"/>
+          </a:p>
+          <a:p>
+            <a:r>
+              <a:rPr lang="ja-JP" altLang="en-US" sz="3200" dirty="0" smtClean="0"/>
               <a:t>・</a:t>
             </a:r>
             <a:r>
-              <a:rPr lang="en-US" altLang="ja-JP" sz="2800" dirty="0" smtClean="0"/>
+              <a:rPr lang="en-US" altLang="ja-JP" sz="3200" dirty="0" smtClean="0"/>
               <a:t>Web</a:t>
             </a:r>
             <a:r>
-              <a:rPr lang="ja-JP" altLang="en-US" sz="2800" dirty="0" smtClean="0"/>
+              <a:rPr lang="ja-JP" altLang="en-US" sz="3200" dirty="0" smtClean="0"/>
               <a:t>上のページだけでなくアドオンが必要</a:t>
             </a:r>
-            <a:endParaRPr lang="en-US" altLang="ja-JP" sz="2800" dirty="0" smtClean="0"/>
+            <a:endParaRPr lang="en-US" altLang="ja-JP" sz="3200" dirty="0" smtClean="0"/>
           </a:p>
         </p:txBody>
       </p:sp>
@@ -17785,7 +17990,7 @@
         <p:spPr>
           <a:xfrm>
             <a:off x="1143000" y="1811413"/>
-            <a:ext cx="6288901" cy="523220"/>
+            <a:ext cx="8032968" cy="646331"/>
           </a:xfrm>
           <a:prstGeom prst="rect">
             <a:avLst/>
@@ -17799,22 +18004,22 @@
           <a:lstStyle/>
           <a:p>
             <a:r>
-              <a:rPr kumimoji="1" lang="ja-JP" altLang="en-US" sz="2800" dirty="0" smtClean="0"/>
+              <a:rPr kumimoji="1" lang="ja-JP" altLang="en-US" sz="3600" dirty="0" smtClean="0"/>
               <a:t>目的：ブックマークを</a:t>
             </a:r>
             <a:r>
-              <a:rPr lang="ja-JP" altLang="en-US" sz="2800" dirty="0"/>
+              <a:rPr lang="ja-JP" altLang="en-US" sz="3600" dirty="0"/>
               <a:t>使</a:t>
             </a:r>
             <a:r>
-              <a:rPr lang="ja-JP" altLang="en-US" sz="2800" dirty="0" smtClean="0"/>
+              <a:rPr lang="ja-JP" altLang="en-US" sz="3600" dirty="0" smtClean="0"/>
               <a:t>いやすくす</a:t>
             </a:r>
             <a:r>
-              <a:rPr lang="ja-JP" altLang="en-US" sz="2800" dirty="0"/>
+              <a:rPr lang="ja-JP" altLang="en-US" sz="3600" dirty="0"/>
               <a:t>る</a:t>
             </a:r>
-            <a:endParaRPr kumimoji="1" lang="ja-JP" altLang="en-US" sz="2800" dirty="0"/>
+            <a:endParaRPr kumimoji="1" lang="ja-JP" altLang="en-US" sz="3600" dirty="0"/>
           </a:p>
         </p:txBody>
       </p:sp>
@@ -17826,7 +18031,7 @@
         </p:nvSpPr>
         <p:spPr>
           <a:xfrm>
-            <a:off x="708338" y="3167773"/>
+            <a:off x="650587" y="3167773"/>
             <a:ext cx="5188879" cy="2820473"/>
           </a:xfrm>
           <a:prstGeom prst="ellipse">
@@ -17855,30 +18060,30 @@
           <a:p>
             <a:pPr algn="ctr"/>
             <a:r>
-              <a:rPr lang="ja-JP" altLang="en-US" sz="2200" b="1" dirty="0" smtClean="0"/>
+              <a:rPr lang="ja-JP" altLang="en-US" sz="2800" b="1" dirty="0" smtClean="0"/>
               <a:t>エクスプローラーライクな</a:t>
             </a:r>
             <a:r>
-              <a:rPr lang="en-US" altLang="ja-JP" sz="2200" b="1" dirty="0" smtClean="0"/>
+              <a:rPr lang="en-US" altLang="ja-JP" sz="2800" b="1" dirty="0" smtClean="0"/>
               <a:t>UI</a:t>
             </a:r>
             <a:r>
-              <a:rPr lang="ja-JP" altLang="en-US" sz="2200" b="1" dirty="0" err="1" smtClean="0"/>
-              <a:t>でブック</a:t>
-            </a:r>
-            <a:r>
-              <a:rPr lang="ja-JP" altLang="en-US" sz="2200" b="1" dirty="0" smtClean="0"/>
-              <a:t>マークを使え　</a:t>
-            </a:r>
-            <a:r>
-              <a:rPr lang="ja-JP" altLang="en-US" sz="2200" b="1" dirty="0" smtClean="0">
+              <a:rPr lang="ja-JP" altLang="en-US" sz="2800" b="1" dirty="0" smtClean="0"/>
+              <a:t>で使え</a:t>
+            </a:r>
+            <a:r>
+              <a:rPr lang="ja-JP" altLang="en-US" sz="2800" b="1" dirty="0" smtClean="0"/>
+              <a:t>　</a:t>
+            </a:r>
+            <a:r>
+              <a:rPr lang="ja-JP" altLang="en-US" sz="2800" b="1" dirty="0" smtClean="0">
                 <a:solidFill>
                   <a:srgbClr val="FFFF00"/>
                 </a:solidFill>
               </a:rPr>
               <a:t>ページを開ける</a:t>
             </a:r>
-            <a:endParaRPr kumimoji="1" lang="ja-JP" altLang="en-US" sz="2200" b="1" dirty="0">
+            <a:endParaRPr kumimoji="1" lang="ja-JP" altLang="en-US" sz="2800" b="1" dirty="0">
               <a:solidFill>
                 <a:srgbClr val="FFFF00"/>
               </a:solidFill>
@@ -17923,15 +18128,15 @@
           <a:p>
             <a:pPr algn="ctr"/>
             <a:r>
-              <a:rPr kumimoji="1" lang="ja-JP" altLang="en-US" sz="2200" dirty="0" smtClean="0"/>
+              <a:rPr kumimoji="1" lang="ja-JP" altLang="en-US" sz="2800" dirty="0" smtClean="0"/>
               <a:t>自動でフォルダにまとめ</a:t>
             </a:r>
-            <a:endParaRPr kumimoji="1" lang="en-US" altLang="ja-JP" sz="2200" dirty="0" smtClean="0"/>
+            <a:endParaRPr kumimoji="1" lang="en-US" altLang="ja-JP" sz="2800" dirty="0" smtClean="0"/>
           </a:p>
           <a:p>
             <a:pPr algn="ctr"/>
             <a:r>
-              <a:rPr kumimoji="1" lang="ja-JP" altLang="en-US" sz="2200" dirty="0" smtClean="0">
+              <a:rPr kumimoji="1" lang="ja-JP" altLang="en-US" sz="2800" dirty="0" smtClean="0">
                 <a:solidFill>
                   <a:srgbClr val="FFFF00"/>
                 </a:solidFill>
@@ -17939,7 +18144,7 @@
               <a:t>ブックマークの整理がで</a:t>
             </a:r>
             <a:r>
-              <a:rPr lang="ja-JP" altLang="en-US" sz="2200" dirty="0" smtClean="0">
+              <a:rPr lang="ja-JP" altLang="en-US" sz="2800" dirty="0" smtClean="0">
                 <a:solidFill>
                   <a:srgbClr val="FFFF00"/>
                 </a:solidFill>
@@ -17947,14 +18152,14 @@
               <a:t>き</a:t>
             </a:r>
             <a:r>
-              <a:rPr lang="ja-JP" altLang="en-US" sz="2200" dirty="0">
+              <a:rPr lang="ja-JP" altLang="en-US" sz="2800" dirty="0">
                 <a:solidFill>
                   <a:srgbClr val="FFFF00"/>
                 </a:solidFill>
               </a:rPr>
               <a:t>る</a:t>
             </a:r>
-            <a:endParaRPr kumimoji="1" lang="ja-JP" altLang="en-US" sz="2200" dirty="0">
+            <a:endParaRPr kumimoji="1" lang="ja-JP" altLang="en-US" sz="2800" dirty="0">
               <a:solidFill>
                 <a:srgbClr val="FFFF00"/>
               </a:solidFill>
@@ -18031,7 +18236,7 @@
         <p:spPr>
           <a:xfrm>
             <a:off x="1339403" y="1790163"/>
-            <a:ext cx="8443337" cy="954107"/>
+            <a:ext cx="10854253" cy="1077218"/>
           </a:xfrm>
           <a:prstGeom prst="rect">
             <a:avLst/>
@@ -18045,17 +18250,21 @@
           <a:lstStyle/>
           <a:p>
             <a:r>
-              <a:rPr kumimoji="1" lang="ja-JP" altLang="en-US" sz="2800" dirty="0" smtClean="0"/>
+              <a:rPr kumimoji="1" lang="ja-JP" altLang="en-US" sz="3200" dirty="0" smtClean="0"/>
               <a:t>・ブックマークが溢れ整理が追い付かなくなった人</a:t>
             </a:r>
-            <a:endParaRPr kumimoji="1" lang="en-US" altLang="ja-JP" sz="2800" dirty="0" smtClean="0"/>
-          </a:p>
-          <a:p>
-            <a:r>
-              <a:rPr kumimoji="1" lang="ja-JP" altLang="en-US" sz="2800" dirty="0" smtClean="0"/>
-              <a:t>・ブックマークを整理したいが面倒な人</a:t>
-            </a:r>
-            <a:endParaRPr kumimoji="1" lang="ja-JP" altLang="en-US" sz="2800" dirty="0"/>
+            <a:endParaRPr kumimoji="1" lang="en-US" altLang="ja-JP" sz="3200" dirty="0" smtClean="0"/>
+          </a:p>
+          <a:p>
+            <a:r>
+              <a:rPr kumimoji="1" lang="ja-JP" altLang="en-US" sz="3200" dirty="0" smtClean="0"/>
+              <a:t>・ブックマークを整理したい</a:t>
+            </a:r>
+            <a:r>
+              <a:rPr kumimoji="1" lang="ja-JP" altLang="en-US" sz="3200" dirty="0" smtClean="0"/>
+              <a:t>が労力の多さに躊躇する人</a:t>
+            </a:r>
+            <a:endParaRPr kumimoji="1" lang="ja-JP" altLang="en-US" sz="3200" dirty="0"/>
           </a:p>
         </p:txBody>
       </p:sp>
@@ -18105,7 +18314,11 @@
             </a:r>
             <a:r>
               <a:rPr kumimoji="1" lang="ja-JP" altLang="en-US" sz="4000" dirty="0" smtClean="0"/>
-              <a:t>く調べものをする</a:t>
+              <a:t>く調べもの</a:t>
+            </a:r>
+            <a:r>
+              <a:rPr kumimoji="1" lang="ja-JP" altLang="en-US" sz="4000" dirty="0" smtClean="0"/>
+              <a:t>をする</a:t>
             </a:r>
             <a:r>
               <a:rPr kumimoji="1" lang="en-US" altLang="ja-JP" sz="4000" dirty="0" smtClean="0"/>
@@ -18113,7 +18326,11 @@
             </a:r>
             <a:r>
               <a:rPr kumimoji="1" lang="ja-JP" altLang="en-US" sz="4000" dirty="0" smtClean="0"/>
-              <a:t>関係の人をコアユーザーとする</a:t>
+              <a:t>エンジニアを</a:t>
+            </a:r>
+            <a:r>
+              <a:rPr kumimoji="1" lang="ja-JP" altLang="en-US" sz="4000" dirty="0" smtClean="0"/>
+              <a:t>コアユーザーとする</a:t>
             </a:r>
             <a:endParaRPr kumimoji="1" lang="ja-JP" altLang="en-US" sz="4000" dirty="0"/>
           </a:p>
@@ -18252,9 +18469,32 @@
           <a:p>
             <a:r>
               <a:rPr kumimoji="1" lang="ja-JP" altLang="en-US" dirty="0" smtClean="0"/>
-              <a:t>作成したプロトタイプ</a:t>
+              <a:t>プロトタイプ</a:t>
+            </a:r>
+            <a:r>
+              <a:rPr kumimoji="1" lang="en-US" altLang="ja-JP" dirty="0" smtClean="0"/>
+              <a:t>Demo</a:t>
             </a:r>
             <a:endParaRPr kumimoji="1" lang="ja-JP" altLang="en-US" dirty="0"/>
+          </a:p>
+        </p:txBody>
+      </p:sp>
+      <p:sp>
+        <p:nvSpPr>
+          <p:cNvPr id="3" name="テキスト プレースホルダー 2"/>
+          <p:cNvSpPr>
+            <a:spLocks noGrp="1"/>
+          </p:cNvSpPr>
+          <p:nvPr>
+            <p:ph type="body" idx="1"/>
+          </p:nvPr>
+        </p:nvSpPr>
+        <p:spPr/>
+        <p:txBody>
+          <a:bodyPr/>
+          <a:lstStyle/>
+          <a:p>
+            <a:endParaRPr kumimoji="1" lang="ja-JP" altLang="en-US"/>
           </a:p>
         </p:txBody>
       </p:sp>
